--- a/doc/mind.pptx
+++ b/doc/mind.pptx
@@ -11199,6 +11199,48 @@
       <p:grpSpPr/>
       <p:sp>
         <p:nvSpPr>
+          <p:cNvPr id="3" name="文本框 2"/>
+          <p:cNvSpPr txBox="1"/>
+          <p:nvPr/>
+        </p:nvSpPr>
+        <p:spPr>
+          <a:xfrm>
+            <a:off x="3107690" y="100965"/>
+            <a:ext cx="4528185" cy="6800850"/>
+          </a:xfrm>
+          <a:prstGeom prst="rect">
+            <a:avLst/>
+          </a:prstGeom>
+          <a:noFill/>
+        </p:spPr>
+        <p:txBody>
+          <a:bodyPr wrap="square" rtlCol="0">
+            <a:spAutoFit/>
+          </a:bodyPr>
+          <a:p>
+            <a:pPr algn="ctr"/>
+            <a:r>
+              <a:rPr lang="" altLang="zh-CN" sz="43600">
+                <a:solidFill>
+                  <a:schemeClr val="bg1">
+                    <a:lumMod val="95000"/>
+                  </a:schemeClr>
+                </a:solidFill>
+              </a:rPr>
+              <a:t>Z</a:t>
+            </a:r>
+            <a:endParaRPr lang="" altLang="zh-CN" sz="43600">
+              <a:solidFill>
+                <a:schemeClr val="bg1">
+                  <a:lumMod val="95000"/>
+                </a:schemeClr>
+              </a:solidFill>
+            </a:endParaRPr>
+          </a:p>
+        </p:txBody>
+      </p:sp>
+      <p:sp>
+        <p:nvSpPr>
           <p:cNvPr id="19" name="Line 64"/>
           <p:cNvSpPr/>
           <p:nvPr/>
@@ -13837,14 +13879,14 @@
           </a:bodyPr>
           <a:p>
             <a:r>
-              <a:rPr lang="" altLang="zh-CN" sz="1600">
+              <a:rPr lang="en-US" altLang="zh-CN" sz="1600">
                 <a:solidFill>
                   <a:schemeClr val="bg1"/>
                 </a:solidFill>
               </a:rPr>
               <a:t>数据</a:t>
             </a:r>
-            <a:endParaRPr lang="" altLang="zh-CN" sz="1600">
+            <a:endParaRPr lang="en-US" altLang="zh-CN" sz="1600">
               <a:solidFill>
                 <a:schemeClr val="bg1"/>
               </a:solidFill>
@@ -13875,14 +13917,14 @@
           <a:p>
             <a:pPr algn="ctr"/>
             <a:r>
-              <a:rPr lang="" altLang="zh-CN" sz="1600">
+              <a:rPr lang="en-US" altLang="zh-CN" sz="1600">
                 <a:solidFill>
                   <a:schemeClr val="bg1"/>
                 </a:solidFill>
               </a:rPr>
               <a:t>解协议</a:t>
             </a:r>
-            <a:endParaRPr lang="" altLang="zh-CN" sz="1600">
+            <a:endParaRPr lang="en-US" altLang="zh-CN" sz="1600">
               <a:solidFill>
                 <a:schemeClr val="bg1"/>
               </a:solidFill>
@@ -13951,14 +13993,14 @@
           <a:p>
             <a:pPr algn="ctr"/>
             <a:r>
-              <a:rPr lang="" altLang="zh-CN" sz="1600">
+              <a:rPr lang="en-US" altLang="zh-CN" sz="1600">
                 <a:solidFill>
                   <a:schemeClr val="bg1"/>
                 </a:solidFill>
               </a:rPr>
               <a:t>解封装</a:t>
             </a:r>
-            <a:endParaRPr lang="" altLang="zh-CN" sz="1600">
+            <a:endParaRPr lang="en-US" altLang="zh-CN" sz="1600">
               <a:solidFill>
                 <a:schemeClr val="bg1"/>
               </a:solidFill>
@@ -13989,14 +14031,14 @@
           <a:p>
             <a:pPr algn="ctr"/>
             <a:r>
-              <a:rPr lang="" altLang="zh-CN" sz="1600">
+              <a:rPr lang="en-US" altLang="zh-CN" sz="1600">
                 <a:solidFill>
                   <a:schemeClr val="bg1"/>
                 </a:solidFill>
               </a:rPr>
               <a:t>音频码流</a:t>
             </a:r>
-            <a:endParaRPr lang="" altLang="zh-CN" sz="1600">
+            <a:endParaRPr lang="en-US" altLang="zh-CN" sz="1600">
               <a:solidFill>
                 <a:schemeClr val="bg1"/>
               </a:solidFill>
@@ -14027,14 +14069,14 @@
           <a:p>
             <a:pPr algn="ctr"/>
             <a:r>
-              <a:rPr lang="" altLang="zh-CN" sz="1600">
+              <a:rPr lang="en-US" altLang="zh-CN" sz="1600">
                 <a:solidFill>
                   <a:schemeClr val="bg1"/>
                 </a:solidFill>
               </a:rPr>
               <a:t>视频码流</a:t>
             </a:r>
-            <a:endParaRPr lang="" altLang="zh-CN" sz="1600">
+            <a:endParaRPr lang="en-US" altLang="zh-CN" sz="1600">
               <a:solidFill>
                 <a:schemeClr val="bg1"/>
               </a:solidFill>
@@ -14065,14 +14107,14 @@
           <a:p>
             <a:pPr algn="ctr"/>
             <a:r>
-              <a:rPr lang="" altLang="zh-CN" sz="1600">
+              <a:rPr lang="en-US" altLang="zh-CN" sz="1600">
                 <a:solidFill>
                   <a:schemeClr val="bg1"/>
                 </a:solidFill>
               </a:rPr>
               <a:t>音频解码</a:t>
             </a:r>
-            <a:endParaRPr lang="" altLang="zh-CN" sz="1600">
+            <a:endParaRPr lang="en-US" altLang="zh-CN" sz="1600">
               <a:solidFill>
                 <a:schemeClr val="bg1"/>
               </a:solidFill>
@@ -14103,7 +14145,7 @@
           <a:p>
             <a:pPr algn="ctr"/>
             <a:r>
-              <a:rPr lang="" altLang="en-US" sz="1600">
+              <a:rPr lang="en-US" altLang="en-US" sz="1600">
                 <a:solidFill>
                   <a:schemeClr val="bg1"/>
                 </a:solidFill>
@@ -14537,14 +14579,14 @@
           <a:p>
             <a:pPr algn="ctr"/>
             <a:r>
-              <a:rPr lang="" altLang="en-US" sz="1600">
+              <a:rPr lang="en-US" altLang="en-US" sz="1600">
                 <a:solidFill>
                   <a:schemeClr val="bg1"/>
                 </a:solidFill>
               </a:rPr>
               <a:t>音频采样数据</a:t>
             </a:r>
-            <a:endParaRPr lang="" altLang="en-US" sz="1600">
+            <a:endParaRPr lang="en-US" altLang="en-US" sz="1600">
               <a:solidFill>
                 <a:schemeClr val="bg1"/>
               </a:solidFill>
@@ -14987,14 +15029,14 @@
           <a:p>
             <a:pPr algn="ctr"/>
             <a:r>
-              <a:rPr lang="" altLang="en-US" sz="1600">
+              <a:rPr lang="en-US" altLang="en-US" sz="1600">
                 <a:solidFill>
                   <a:schemeClr val="bg1"/>
                 </a:solidFill>
               </a:rPr>
               <a:t>视频像素数据</a:t>
             </a:r>
-            <a:endParaRPr lang="" altLang="en-US" sz="1600">
+            <a:endParaRPr lang="en-US" altLang="en-US" sz="1600">
               <a:solidFill>
                 <a:schemeClr val="bg1"/>
               </a:solidFill>
@@ -15085,7 +15127,7 @@
           <a:p>
             <a:pPr algn="ctr"/>
             <a:r>
-              <a:rPr lang="" altLang="zh-CN">
+              <a:rPr lang="en-US" altLang="zh-CN">
                 <a:solidFill>
                   <a:schemeClr val="tx2">
                     <a:lumMod val="60000"/>
@@ -15095,7 +15137,7 @@
               </a:rPr>
               <a:t>协议层</a:t>
             </a:r>
-            <a:endParaRPr lang="" altLang="zh-CN">
+            <a:endParaRPr lang="en-US" altLang="zh-CN">
               <a:solidFill>
                 <a:schemeClr val="tx2">
                   <a:lumMod val="60000"/>
@@ -15141,7 +15183,7 @@
               <a:t>file</a:t>
             </a:r>
             <a:r>
-              <a:rPr lang="" altLang="en-US" sz="1400">
+              <a:rPr lang="en-US" altLang="en-US" sz="1400">
                 <a:solidFill>
                   <a:schemeClr val="tx2">
                     <a:lumMod val="60000"/>
@@ -15153,7 +15195,7 @@
               <a:t>,</a:t>
             </a:r>
             <a:r>
-              <a:rPr lang="" altLang="zh-CN" sz="1400">
+              <a:rPr lang="en-US" altLang="zh-CN" sz="1400">
                 <a:solidFill>
                   <a:schemeClr val="tx2">
                     <a:lumMod val="60000"/>
@@ -15163,7 +15205,7 @@
               </a:rPr>
               <a:t>http,rtmp</a:t>
             </a:r>
-            <a:endParaRPr lang="" altLang="zh-CN" sz="1400">
+            <a:endParaRPr lang="en-US" altLang="zh-CN" sz="1400">
               <a:solidFill>
                 <a:schemeClr val="tx2">
                   <a:lumMod val="60000"/>
@@ -15233,7 +15275,7 @@
           <a:p>
             <a:pPr algn="ctr"/>
             <a:r>
-              <a:rPr lang="" altLang="en-US">
+              <a:rPr lang="en-US" altLang="en-US">
                 <a:solidFill>
                   <a:schemeClr val="tx2">
                     <a:lumMod val="60000"/>
@@ -15288,7 +15330,7 @@
           <a:p>
             <a:pPr algn="ctr"/>
             <a:r>
-              <a:rPr lang="" altLang="en-US" sz="1400">
+              <a:rPr lang="en-US" altLang="en-US" sz="1400">
                 <a:solidFill>
                   <a:schemeClr val="tx2">
                     <a:lumMod val="60000"/>
@@ -15298,7 +15340,7 @@
               </a:rPr>
               <a:t>mkv,mp4,mpegts,avi</a:t>
             </a:r>
-            <a:endParaRPr lang="" altLang="en-US" sz="1400">
+            <a:endParaRPr lang="en-US" altLang="en-US" sz="1400">
               <a:solidFill>
                 <a:schemeClr val="tx2">
                   <a:lumMod val="60000"/>
@@ -15368,7 +15410,7 @@
           <a:p>
             <a:pPr algn="ctr"/>
             <a:r>
-              <a:rPr lang="" altLang="en-US">
+              <a:rPr lang="en-US" altLang="en-US">
                 <a:solidFill>
                   <a:schemeClr val="tx2">
                     <a:lumMod val="60000"/>
@@ -15378,7 +15420,7 @@
               </a:rPr>
               <a:t>编解码层</a:t>
             </a:r>
-            <a:endParaRPr lang="" altLang="en-US">
+            <a:endParaRPr lang="en-US" altLang="en-US">
               <a:solidFill>
                 <a:schemeClr val="tx2">
                   <a:lumMod val="60000"/>
@@ -15412,7 +15454,7 @@
           <a:p>
             <a:pPr algn="ctr"/>
             <a:r>
-              <a:rPr lang="" altLang="en-US" sz="1400">
+              <a:rPr lang="en-US" altLang="en-US" sz="1400">
                 <a:solidFill>
                   <a:schemeClr val="tx2">
                     <a:lumMod val="60000"/>
@@ -15422,7 +15464,7 @@
               </a:rPr>
               <a:t>h264,mpeg2,acc</a:t>
             </a:r>
-            <a:endParaRPr lang="" altLang="en-US" sz="1400">
+            <a:endParaRPr lang="en-US" altLang="en-US" sz="1400">
               <a:solidFill>
                 <a:schemeClr val="tx2">
                   <a:lumMod val="60000"/>
@@ -15492,7 +15534,7 @@
           <a:p>
             <a:pPr algn="ctr"/>
             <a:r>
-              <a:rPr lang="" altLang="en-US">
+              <a:rPr lang="en-US" altLang="en-US">
                 <a:solidFill>
                   <a:schemeClr val="tx2">
                     <a:lumMod val="60000"/>
@@ -15502,7 +15544,7 @@
               </a:rPr>
               <a:t>像素层</a:t>
             </a:r>
-            <a:endParaRPr lang="" altLang="en-US">
+            <a:endParaRPr lang="en-US" altLang="en-US">
               <a:solidFill>
                 <a:schemeClr val="tx2">
                   <a:lumMod val="60000"/>
@@ -15536,7 +15578,7 @@
           <a:p>
             <a:pPr algn="ctr"/>
             <a:r>
-              <a:rPr lang="" altLang="en-US" sz="1400">
+              <a:rPr lang="en-US" altLang="en-US" sz="1400">
                 <a:solidFill>
                   <a:schemeClr val="tx2">
                     <a:lumMod val="60000"/>
@@ -15546,11 +15588,53 @@
               </a:rPr>
               <a:t>rbg24,yuv420p,pcm</a:t>
             </a:r>
-            <a:endParaRPr lang="" altLang="en-US" sz="1400">
+            <a:endParaRPr lang="en-US" altLang="en-US" sz="1400">
               <a:solidFill>
                 <a:schemeClr val="tx2">
                   <a:lumMod val="60000"/>
                   <a:lumOff val="40000"/>
+                </a:schemeClr>
+              </a:solidFill>
+            </a:endParaRPr>
+          </a:p>
+        </p:txBody>
+      </p:sp>
+      <p:sp>
+        <p:nvSpPr>
+          <p:cNvPr id="2" name="文本框 1"/>
+          <p:cNvSpPr txBox="1"/>
+          <p:nvPr/>
+        </p:nvSpPr>
+        <p:spPr>
+          <a:xfrm>
+            <a:off x="5131435" y="6310630"/>
+            <a:ext cx="4200525" cy="306705"/>
+          </a:xfrm>
+          <a:prstGeom prst="rect">
+            <a:avLst/>
+          </a:prstGeom>
+          <a:noFill/>
+        </p:spPr>
+        <p:txBody>
+          <a:bodyPr wrap="square" rtlCol="0">
+            <a:spAutoFit/>
+          </a:bodyPr>
+          <a:p>
+            <a:pPr algn="r"/>
+            <a:r>
+              <a:rPr lang="zh-CN" altLang="en-US" sz="1400">
+                <a:solidFill>
+                  <a:schemeClr val="bg1">
+                    <a:lumMod val="50000"/>
+                  </a:schemeClr>
+                </a:solidFill>
+              </a:rPr>
+              <a:t>https://github.com/lightfish-zhang</a:t>
+            </a:r>
+            <a:endParaRPr lang="zh-CN" altLang="en-US" sz="1400">
+              <a:solidFill>
+                <a:schemeClr val="bg1">
+                  <a:lumMod val="50000"/>
                 </a:schemeClr>
               </a:solidFill>
             </a:endParaRPr>

--- a/doc/mind.pptx
+++ b/doc/mind.pptx
@@ -11220,7 +11220,7 @@
           <a:p>
             <a:pPr algn="ctr"/>
             <a:r>
-              <a:rPr lang="" altLang="zh-CN" sz="43600">
+              <a:rPr lang="en-US" altLang="zh-CN" sz="43600">
                 <a:solidFill>
                   <a:schemeClr val="bg1">
                     <a:lumMod val="95000"/>
@@ -11229,7 +11229,7 @@
               </a:rPr>
               <a:t>Z</a:t>
             </a:r>
-            <a:endParaRPr lang="" altLang="zh-CN" sz="43600">
+            <a:endParaRPr lang="en-US" altLang="zh-CN" sz="43600">
               <a:solidFill>
                 <a:schemeClr val="bg1">
                   <a:lumMod val="95000"/>
@@ -15608,7 +15608,7 @@
         <p:spPr>
           <a:xfrm>
             <a:off x="5131435" y="6310630"/>
-            <a:ext cx="4200525" cy="306705"/>
+            <a:ext cx="4200525" cy="275590"/>
           </a:xfrm>
           <a:prstGeom prst="rect">
             <a:avLst/>
@@ -15622,7 +15622,7 @@
           <a:p>
             <a:pPr algn="r"/>
             <a:r>
-              <a:rPr lang="zh-CN" altLang="en-US" sz="1400">
+              <a:rPr lang="zh-CN" altLang="en-US" sz="1200">
                 <a:solidFill>
                   <a:schemeClr val="bg1">
                     <a:lumMod val="50000"/>
@@ -15631,7 +15631,7 @@
               </a:rPr>
               <a:t>https://github.com/lightfish-zhang</a:t>
             </a:r>
-            <a:endParaRPr lang="zh-CN" altLang="en-US" sz="1400">
+            <a:endParaRPr lang="zh-CN" altLang="en-US" sz="1200">
               <a:solidFill>
                 <a:schemeClr val="bg1">
                   <a:lumMod val="50000"/>
